--- a/Fuglovics Konor/PowerPoint/sort.pptx
+++ b/Fuglovics Konor/PowerPoint/sort.pptx
@@ -4565,6 +4565,222 @@
             <a:pPr>
               <a:buNone/>
             </a:pPr>
+            <a:endParaRPr lang="en-US" sz="2400" dirty="0" smtClean="0">
+              <a:latin typeface="Nokia 1209" pitchFamily="2" charset="0"/>
+              <a:cs typeface="Nokia 1209" pitchFamily="2" charset="0"/>
+            </a:endParaRPr>
+          </a:p>
+          <a:p>
+            <a:pPr>
+              <a:buNone/>
+            </a:pPr>
+            <a:endParaRPr lang="en-US" sz="2400" dirty="0" smtClean="0">
+              <a:latin typeface="Nokia 1209" pitchFamily="2" charset="0"/>
+              <a:cs typeface="Nokia 1209" pitchFamily="2" charset="0"/>
+            </a:endParaRPr>
+          </a:p>
+          <a:p>
+            <a:pPr>
+              <a:buNone/>
+            </a:pPr>
+            <a:endParaRPr lang="en-US" sz="2400" dirty="0" smtClean="0">
+              <a:latin typeface="Nokia 1209" pitchFamily="2" charset="0"/>
+              <a:cs typeface="Nokia 1209" pitchFamily="2" charset="0"/>
+            </a:endParaRPr>
+          </a:p>
+          <a:p>
+            <a:pPr>
+              <a:buNone/>
+            </a:pPr>
+            <a:endParaRPr lang="en-US" sz="2400" dirty="0" smtClean="0">
+              <a:latin typeface="Nokia 1209" pitchFamily="2" charset="0"/>
+              <a:cs typeface="Nokia 1209" pitchFamily="2" charset="0"/>
+            </a:endParaRPr>
+          </a:p>
+          <a:p>
+            <a:pPr>
+              <a:buNone/>
+            </a:pPr>
+            <a:r>
+              <a:rPr lang="en-US" sz="2400" dirty="0" err="1" smtClean="0">
+                <a:latin typeface="Nokia 1209" pitchFamily="2" charset="0"/>
+                <a:cs typeface="Nokia 1209" pitchFamily="2" charset="0"/>
+              </a:rPr>
+              <a:t>Egy</a:t>
+            </a:r>
+            <a:r>
+              <a:rPr lang="en-US" sz="2400" dirty="0" smtClean="0">
+                <a:latin typeface="Nokia 1209" pitchFamily="2" charset="0"/>
+                <a:cs typeface="Nokia 1209" pitchFamily="2" charset="0"/>
+              </a:rPr>
+              <a:t> </a:t>
+            </a:r>
+            <a:r>
+              <a:rPr lang="en-US" sz="2400" dirty="0" err="1" smtClean="0">
+                <a:latin typeface="Nokia 1209" pitchFamily="2" charset="0"/>
+                <a:cs typeface="Nokia 1209" pitchFamily="2" charset="0"/>
+              </a:rPr>
+              <a:t>videó</a:t>
+            </a:r>
+            <a:r>
+              <a:rPr lang="en-US" sz="2400" dirty="0" smtClean="0">
+                <a:latin typeface="Nokia 1209" pitchFamily="2" charset="0"/>
+                <a:cs typeface="Nokia 1209" pitchFamily="2" charset="0"/>
+              </a:rPr>
+              <a:t> </a:t>
+            </a:r>
+            <a:r>
+              <a:rPr lang="en-US" sz="2400" dirty="0" err="1" smtClean="0">
+                <a:latin typeface="Nokia 1209" pitchFamily="2" charset="0"/>
+                <a:cs typeface="Nokia 1209" pitchFamily="2" charset="0"/>
+              </a:rPr>
+              <a:t>demonstráció</a:t>
+            </a:r>
+            <a:r>
+              <a:rPr lang="en-US" sz="2400" dirty="0" smtClean="0">
+                <a:latin typeface="Nokia 1209" pitchFamily="2" charset="0"/>
+                <a:cs typeface="Nokia 1209" pitchFamily="2" charset="0"/>
+              </a:rPr>
+              <a:t> </a:t>
+            </a:r>
+            <a:r>
+              <a:rPr lang="en-US" sz="2400" dirty="0" err="1" smtClean="0">
+                <a:latin typeface="Nokia 1209" pitchFamily="2" charset="0"/>
+                <a:cs typeface="Nokia 1209" pitchFamily="2" charset="0"/>
+              </a:rPr>
+              <a:t>arról</a:t>
+            </a:r>
+            <a:r>
+              <a:rPr lang="en-US" sz="2400" dirty="0" smtClean="0">
+                <a:latin typeface="Nokia 1209" pitchFamily="2" charset="0"/>
+                <a:cs typeface="Nokia 1209" pitchFamily="2" charset="0"/>
+              </a:rPr>
+              <a:t> </a:t>
+            </a:r>
+            <a:r>
+              <a:rPr lang="en-US" sz="2400" dirty="0" err="1" smtClean="0">
+                <a:latin typeface="Nokia 1209" pitchFamily="2" charset="0"/>
+                <a:cs typeface="Nokia 1209" pitchFamily="2" charset="0"/>
+              </a:rPr>
+              <a:t>hogy</a:t>
+            </a:r>
+            <a:r>
+              <a:rPr lang="en-US" sz="2400" dirty="0" smtClean="0">
+                <a:latin typeface="Nokia 1209" pitchFamily="2" charset="0"/>
+                <a:cs typeface="Nokia 1209" pitchFamily="2" charset="0"/>
+              </a:rPr>
+              <a:t> </a:t>
+            </a:r>
+            <a:r>
+              <a:rPr lang="en-US" sz="2400" dirty="0" err="1" smtClean="0">
+                <a:latin typeface="Nokia 1209" pitchFamily="2" charset="0"/>
+                <a:cs typeface="Nokia 1209" pitchFamily="2" charset="0"/>
+              </a:rPr>
+              <a:t>hogyan</a:t>
+            </a:r>
+            <a:r>
+              <a:rPr lang="en-US" sz="2400" dirty="0" smtClean="0">
+                <a:latin typeface="Nokia 1209" pitchFamily="2" charset="0"/>
+                <a:cs typeface="Nokia 1209" pitchFamily="2" charset="0"/>
+              </a:rPr>
+              <a:t> </a:t>
+            </a:r>
+            <a:r>
+              <a:rPr lang="en-US" sz="2400" dirty="0" err="1" smtClean="0">
+                <a:latin typeface="Nokia 1209" pitchFamily="2" charset="0"/>
+                <a:cs typeface="Nokia 1209" pitchFamily="2" charset="0"/>
+              </a:rPr>
+              <a:t>működik</a:t>
+            </a:r>
+            <a:r>
+              <a:rPr lang="en-US" sz="2400" dirty="0" smtClean="0">
+                <a:latin typeface="Nokia 1209" pitchFamily="2" charset="0"/>
+                <a:cs typeface="Nokia 1209" pitchFamily="2" charset="0"/>
+              </a:rPr>
+              <a:t> </a:t>
+            </a:r>
+            <a:r>
+              <a:rPr lang="en-US" sz="2400" dirty="0" err="1" smtClean="0">
+                <a:latin typeface="Nokia 1209" pitchFamily="2" charset="0"/>
+                <a:cs typeface="Nokia 1209" pitchFamily="2" charset="0"/>
+              </a:rPr>
+              <a:t>ez</a:t>
+            </a:r>
+            <a:r>
+              <a:rPr lang="en-US" sz="2400" dirty="0" smtClean="0">
+                <a:latin typeface="Nokia 1209" pitchFamily="2" charset="0"/>
+                <a:cs typeface="Nokia 1209" pitchFamily="2" charset="0"/>
+              </a:rPr>
+              <a:t> </a:t>
+            </a:r>
+            <a:r>
+              <a:rPr lang="en-US" sz="2400" dirty="0" err="1" smtClean="0">
+                <a:latin typeface="Nokia 1209" pitchFamily="2" charset="0"/>
+                <a:cs typeface="Nokia 1209" pitchFamily="2" charset="0"/>
+              </a:rPr>
+              <a:t>az</a:t>
+            </a:r>
+            <a:r>
+              <a:rPr lang="en-US" sz="2400" dirty="0" smtClean="0">
+                <a:latin typeface="Nokia 1209" pitchFamily="2" charset="0"/>
+                <a:cs typeface="Nokia 1209" pitchFamily="2" charset="0"/>
+              </a:rPr>
+              <a:t> </a:t>
+            </a:r>
+            <a:r>
+              <a:rPr lang="en-US" sz="2400" dirty="0" err="1" smtClean="0">
+                <a:latin typeface="Nokia 1209" pitchFamily="2" charset="0"/>
+                <a:cs typeface="Nokia 1209" pitchFamily="2" charset="0"/>
+              </a:rPr>
+              <a:t>algoritmus</a:t>
+            </a:r>
+            <a:r>
+              <a:rPr lang="en-US" sz="2400" dirty="0" smtClean="0">
+                <a:latin typeface="Nokia 1209" pitchFamily="2" charset="0"/>
+                <a:cs typeface="Nokia 1209" pitchFamily="2" charset="0"/>
+              </a:rPr>
+              <a:t>:</a:t>
+            </a:r>
+          </a:p>
+          <a:p>
+            <a:pPr>
+              <a:buNone/>
+            </a:pPr>
+            <a:r>
+              <a:rPr lang="en-US" sz="2400" dirty="0" smtClean="0">
+                <a:latin typeface="Nokia 1209" pitchFamily="2" charset="0"/>
+                <a:cs typeface="Nokia 1209" pitchFamily="2" charset="0"/>
+              </a:rPr>
+              <a:t>(</a:t>
+            </a:r>
+            <a:r>
+              <a:rPr lang="en-US" sz="2400" dirty="0" err="1" smtClean="0">
+                <a:latin typeface="Nokia 1209" pitchFamily="2" charset="0"/>
+                <a:cs typeface="Nokia 1209" pitchFamily="2" charset="0"/>
+              </a:rPr>
+              <a:t>Vigyázat</a:t>
+            </a:r>
+            <a:r>
+              <a:rPr lang="en-US" sz="2400" dirty="0" smtClean="0">
+                <a:latin typeface="Nokia 1209" pitchFamily="2" charset="0"/>
+                <a:cs typeface="Nokia 1209" pitchFamily="2" charset="0"/>
+              </a:rPr>
+              <a:t>: </a:t>
+            </a:r>
+            <a:r>
+              <a:rPr lang="en-US" sz="2400" dirty="0" err="1" smtClean="0">
+                <a:latin typeface="Nokia 1209" pitchFamily="2" charset="0"/>
+                <a:cs typeface="Nokia 1209" pitchFamily="2" charset="0"/>
+              </a:rPr>
+              <a:t>Hangos</a:t>
+            </a:r>
+            <a:r>
+              <a:rPr lang="en-US" sz="2400" dirty="0" smtClean="0">
+                <a:latin typeface="Nokia 1209" pitchFamily="2" charset="0"/>
+                <a:cs typeface="Nokia 1209" pitchFamily="2" charset="0"/>
+              </a:rPr>
+              <a:t>!)</a:t>
+            </a:r>
             <a:endParaRPr lang="hu-HU" sz="2400" dirty="0">
               <a:latin typeface="Nokia 1209" pitchFamily="2" charset="0"/>
               <a:cs typeface="Nokia 1209" pitchFamily="2" charset="0"/>
@@ -4581,7 +4797,7 @@
           <p:nvPr/>
         </p:nvPicPr>
         <p:blipFill>
-          <a:blip r:embed="rId2" cstate="print"/>
+          <a:blip r:embed="rId3" cstate="print"/>
           <a:srcRect/>
           <a:stretch>
             <a:fillRect/>
@@ -4589,7 +4805,7 @@
         </p:blipFill>
         <p:spPr bwMode="auto">
           <a:xfrm>
-            <a:off x="755576" y="2996952"/>
+            <a:off x="755576" y="1988840"/>
             <a:ext cx="7704855" cy="1094042"/>
           </a:xfrm>
           <a:prstGeom prst="rect">
@@ -4604,6 +4820,34 @@
           </a:ln>
         </p:spPr>
       </p:pic>
+      <p:pic>
+        <p:nvPicPr>
+          <p:cNvPr id="6" name="insert2.mp4">
+            <a:hlinkClick r:id="" action="ppaction://media"/>
+          </p:cNvPr>
+          <p:cNvPicPr preferRelativeResize="0">
+            <a:picLocks noRot="1"/>
+          </p:cNvPicPr>
+          <p:nvPr>
+            <a:videoFile r:link="rId1"/>
+          </p:nvPr>
+        </p:nvPicPr>
+        <p:blipFill>
+          <a:blip r:embed="rId4" cstate="print"/>
+          <a:stretch>
+            <a:fillRect/>
+          </a:stretch>
+        </p:blipFill>
+        <p:spPr>
+          <a:xfrm>
+            <a:off x="3059832" y="3861048"/>
+            <a:ext cx="4896544" cy="2736304"/>
+          </a:xfrm>
+          <a:prstGeom prst="rect">
+            <a:avLst/>
+          </a:prstGeom>
+        </p:spPr>
+      </p:pic>
     </p:spTree>
   </p:cSld>
   <p:clrMapOvr>
@@ -4612,7 +4856,150 @@
   <p:timing>
     <p:tnLst>
       <p:par>
-        <p:cTn id="1" dur="indefinite" restart="never" nodeType="tmRoot"/>
+        <p:cTn id="1" dur="indefinite" restart="never" nodeType="tmRoot">
+          <p:childTnLst>
+            <p:seq concurrent="1" nextAc="seek">
+              <p:cTn id="2" dur="indefinite" nodeType="mainSeq">
+                <p:childTnLst>
+                  <p:par>
+                    <p:cTn id="3" fill="hold">
+                      <p:stCondLst>
+                        <p:cond delay="indefinite"/>
+                        <p:cond evt="onBegin" delay="0">
+                          <p:tn val="2"/>
+                        </p:cond>
+                      </p:stCondLst>
+                      <p:childTnLst>
+                        <p:par>
+                          <p:cTn id="4" fill="hold">
+                            <p:stCondLst>
+                              <p:cond delay="0"/>
+                            </p:stCondLst>
+                            <p:childTnLst>
+                              <p:par>
+                                <p:cTn id="5" presetID="1" presetClass="mediacall" presetSubtype="0" fill="hold" nodeType="afterEffect">
+                                  <p:stCondLst>
+                                    <p:cond delay="0"/>
+                                  </p:stCondLst>
+                                  <p:childTnLst>
+                                    <p:cmd type="call" cmd="playFrom(0.0)">
+                                      <p:cBhvr>
+                                        <p:cTn id="6" dur="1" fill="hold"/>
+                                        <p:tgtEl>
+                                          <p:spTgt spid="6"/>
+                                        </p:tgtEl>
+                                      </p:cBhvr>
+                                    </p:cmd>
+                                  </p:childTnLst>
+                                </p:cTn>
+                              </p:par>
+                            </p:childTnLst>
+                          </p:cTn>
+                        </p:par>
+                      </p:childTnLst>
+                    </p:cTn>
+                  </p:par>
+                </p:childTnLst>
+              </p:cTn>
+              <p:prevCondLst>
+                <p:cond evt="onPrev" delay="0">
+                  <p:tgtEl>
+                    <p:sldTgt/>
+                  </p:tgtEl>
+                </p:cond>
+              </p:prevCondLst>
+              <p:nextCondLst>
+                <p:cond evt="onNext" delay="0">
+                  <p:tgtEl>
+                    <p:sldTgt/>
+                  </p:tgtEl>
+                </p:cond>
+              </p:nextCondLst>
+            </p:seq>
+            <p:video>
+              <p:cMediaNode>
+                <p:cTn id="7" fill="hold" display="0">
+                  <p:stCondLst>
+                    <p:cond delay="indefinite"/>
+                  </p:stCondLst>
+                  <p:endCondLst>
+                    <p:cond evt="onNext" delay="0">
+                      <p:tgtEl>
+                        <p:sldTgt/>
+                      </p:tgtEl>
+                    </p:cond>
+                    <p:cond evt="onPrev" delay="0">
+                      <p:tgtEl>
+                        <p:sldTgt/>
+                      </p:tgtEl>
+                    </p:cond>
+                  </p:endCondLst>
+                </p:cTn>
+                <p:tgtEl>
+                  <p:spTgt spid="6"/>
+                </p:tgtEl>
+              </p:cMediaNode>
+            </p:video>
+            <p:seq concurrent="1" nextAc="seek">
+              <p:cTn id="8" restart="whenNotActive" fill="hold" evtFilter="cancelBubble" nodeType="interactiveSeq">
+                <p:stCondLst>
+                  <p:cond evt="onClick" delay="0">
+                    <p:tgtEl>
+                      <p:spTgt spid="6"/>
+                    </p:tgtEl>
+                  </p:cond>
+                </p:stCondLst>
+                <p:endSync evt="end" delay="0">
+                  <p:rtn val="all"/>
+                </p:endSync>
+                <p:childTnLst>
+                  <p:par>
+                    <p:cTn id="9" fill="hold">
+                      <p:stCondLst>
+                        <p:cond delay="0"/>
+                      </p:stCondLst>
+                      <p:childTnLst>
+                        <p:par>
+                          <p:cTn id="10" fill="hold">
+                            <p:stCondLst>
+                              <p:cond delay="0"/>
+                            </p:stCondLst>
+                            <p:childTnLst>
+                              <p:par>
+                                <p:cTn id="11" presetID="2" presetClass="mediacall" presetSubtype="0" fill="hold" nodeType="clickEffect">
+                                  <p:stCondLst>
+                                    <p:cond delay="0"/>
+                                  </p:stCondLst>
+                                  <p:childTnLst>
+                                    <p:cmd type="call" cmd="togglePause">
+                                      <p:cBhvr>
+                                        <p:cTn id="12" dur="1" fill="hold"/>
+                                        <p:tgtEl>
+                                          <p:spTgt spid="6"/>
+                                        </p:tgtEl>
+                                      </p:cBhvr>
+                                    </p:cmd>
+                                  </p:childTnLst>
+                                </p:cTn>
+                              </p:par>
+                            </p:childTnLst>
+                          </p:cTn>
+                        </p:par>
+                      </p:childTnLst>
+                    </p:cTn>
+                  </p:par>
+                </p:childTnLst>
+              </p:cTn>
+              <p:nextCondLst>
+                <p:cond evt="onClick" delay="0">
+                  <p:tgtEl>
+                    <p:spTgt spid="6"/>
+                  </p:tgtEl>
+                </p:cond>
+              </p:nextCondLst>
+            </p:seq>
+          </p:childTnLst>
+        </p:cTn>
       </p:par>
     </p:tnLst>
   </p:timing>

--- a/Fuglovics Konor/PowerPoint/sort.pptx
+++ b/Fuglovics Konor/PowerPoint/sort.pptx
@@ -220,7 +220,7 @@
             <a:fld id="{4D32F03C-660A-46CB-B75D-9BFC161AF1EC}" type="datetimeFigureOut">
               <a:rPr lang="hu-HU" smtClean="0"/>
               <a:pPr/>
-              <a:t>2023. 11. 17.</a:t>
+              <a:t>2023. 11. 24.</a:t>
             </a:fld>
             <a:endParaRPr lang="hu-HU"/>
           </a:p>
@@ -750,7 +750,7 @@
             <a:fld id="{F3652F5A-8873-4503-BCE2-9A844252D03C}" type="datetimeFigureOut">
               <a:rPr lang="hu-HU" smtClean="0"/>
               <a:pPr/>
-              <a:t>2023. 11. 17.</a:t>
+              <a:t>2023. 11. 24.</a:t>
             </a:fld>
             <a:endParaRPr lang="hu-HU"/>
           </a:p>
@@ -917,7 +917,7 @@
             <a:fld id="{F3652F5A-8873-4503-BCE2-9A844252D03C}" type="datetimeFigureOut">
               <a:rPr lang="hu-HU" smtClean="0"/>
               <a:pPr/>
-              <a:t>2023. 11. 17.</a:t>
+              <a:t>2023. 11. 24.</a:t>
             </a:fld>
             <a:endParaRPr lang="hu-HU"/>
           </a:p>
@@ -1094,7 +1094,7 @@
             <a:fld id="{F3652F5A-8873-4503-BCE2-9A844252D03C}" type="datetimeFigureOut">
               <a:rPr lang="hu-HU" smtClean="0"/>
               <a:pPr/>
-              <a:t>2023. 11. 17.</a:t>
+              <a:t>2023. 11. 24.</a:t>
             </a:fld>
             <a:endParaRPr lang="hu-HU"/>
           </a:p>
@@ -1261,7 +1261,7 @@
             <a:fld id="{F3652F5A-8873-4503-BCE2-9A844252D03C}" type="datetimeFigureOut">
               <a:rPr lang="hu-HU" smtClean="0"/>
               <a:pPr/>
-              <a:t>2023. 11. 17.</a:t>
+              <a:t>2023. 11. 24.</a:t>
             </a:fld>
             <a:endParaRPr lang="hu-HU"/>
           </a:p>
@@ -1504,7 +1504,7 @@
             <a:fld id="{F3652F5A-8873-4503-BCE2-9A844252D03C}" type="datetimeFigureOut">
               <a:rPr lang="hu-HU" smtClean="0"/>
               <a:pPr/>
-              <a:t>2023. 11. 17.</a:t>
+              <a:t>2023. 11. 24.</a:t>
             </a:fld>
             <a:endParaRPr lang="hu-HU"/>
           </a:p>
@@ -1789,7 +1789,7 @@
             <a:fld id="{F3652F5A-8873-4503-BCE2-9A844252D03C}" type="datetimeFigureOut">
               <a:rPr lang="hu-HU" smtClean="0"/>
               <a:pPr/>
-              <a:t>2023. 11. 17.</a:t>
+              <a:t>2023. 11. 24.</a:t>
             </a:fld>
             <a:endParaRPr lang="hu-HU"/>
           </a:p>
@@ -2208,7 +2208,7 @@
             <a:fld id="{F3652F5A-8873-4503-BCE2-9A844252D03C}" type="datetimeFigureOut">
               <a:rPr lang="hu-HU" smtClean="0"/>
               <a:pPr/>
-              <a:t>2023. 11. 17.</a:t>
+              <a:t>2023. 11. 24.</a:t>
             </a:fld>
             <a:endParaRPr lang="hu-HU"/>
           </a:p>
@@ -2323,7 +2323,7 @@
             <a:fld id="{F3652F5A-8873-4503-BCE2-9A844252D03C}" type="datetimeFigureOut">
               <a:rPr lang="hu-HU" smtClean="0"/>
               <a:pPr/>
-              <a:t>2023. 11. 17.</a:t>
+              <a:t>2023. 11. 24.</a:t>
             </a:fld>
             <a:endParaRPr lang="hu-HU"/>
           </a:p>
@@ -2415,7 +2415,7 @@
             <a:fld id="{F3652F5A-8873-4503-BCE2-9A844252D03C}" type="datetimeFigureOut">
               <a:rPr lang="hu-HU" smtClean="0"/>
               <a:pPr/>
-              <a:t>2023. 11. 17.</a:t>
+              <a:t>2023. 11. 24.</a:t>
             </a:fld>
             <a:endParaRPr lang="hu-HU"/>
           </a:p>
@@ -2689,7 +2689,7 @@
             <a:fld id="{F3652F5A-8873-4503-BCE2-9A844252D03C}" type="datetimeFigureOut">
               <a:rPr lang="hu-HU" smtClean="0"/>
               <a:pPr/>
-              <a:t>2023. 11. 17.</a:t>
+              <a:t>2023. 11. 24.</a:t>
             </a:fld>
             <a:endParaRPr lang="hu-HU"/>
           </a:p>
@@ -2939,7 +2939,7 @@
             <a:fld id="{F3652F5A-8873-4503-BCE2-9A844252D03C}" type="datetimeFigureOut">
               <a:rPr lang="hu-HU" smtClean="0"/>
               <a:pPr/>
-              <a:t>2023. 11. 17.</a:t>
+              <a:t>2023. 11. 24.</a:t>
             </a:fld>
             <a:endParaRPr lang="hu-HU"/>
           </a:p>
@@ -3158,7 +3158,7 @@
             <a:fld id="{F3652F5A-8873-4503-BCE2-9A844252D03C}" type="datetimeFigureOut">
               <a:rPr lang="hu-HU" smtClean="0"/>
               <a:pPr/>
-              <a:t>2023. 11. 17.</a:t>
+              <a:t>2023. 11. 24.</a:t>
             </a:fld>
             <a:endParaRPr lang="hu-HU"/>
           </a:p>
@@ -3715,7 +3715,12 @@
             <p:ph idx="1"/>
           </p:nvPr>
         </p:nvSpPr>
-        <p:spPr/>
+        <p:spPr>
+          <a:xfrm>
+            <a:off x="467544" y="1628800"/>
+            <a:ext cx="8229600" cy="4525963"/>
+          </a:xfrm>
+        </p:spPr>
         <p:txBody>
           <a:bodyPr>
             <a:normAutofit/>
@@ -3944,6 +3949,262 @@
           <a:chExt cx="0" cy="0"/>
         </a:xfrm>
       </p:grpSpPr>
+      <p:sp>
+        <p:nvSpPr>
+          <p:cNvPr id="2" name="Title 1"/>
+          <p:cNvSpPr>
+            <a:spLocks noGrp="1"/>
+          </p:cNvSpPr>
+          <p:nvPr>
+            <p:ph type="title"/>
+          </p:nvPr>
+        </p:nvSpPr>
+        <p:spPr/>
+        <p:txBody>
+          <a:bodyPr>
+            <a:normAutofit/>
+          </a:bodyPr>
+          <a:lstStyle/>
+          <a:p>
+            <a:r>
+              <a:rPr lang="en-US" sz="5250" dirty="0" err="1" smtClean="0"/>
+              <a:t>Cserés</a:t>
+            </a:r>
+            <a:r>
+              <a:rPr lang="en-US" sz="5250" dirty="0" smtClean="0"/>
+              <a:t> </a:t>
+            </a:r>
+            <a:r>
+              <a:rPr lang="en-US" sz="5250" dirty="0" err="1" smtClean="0"/>
+              <a:t>rendezés</a:t>
+            </a:r>
+            <a:r>
+              <a:rPr lang="en-US" sz="5250" dirty="0" smtClean="0"/>
+              <a:t> C#-</a:t>
+            </a:r>
+            <a:r>
+              <a:rPr lang="en-US" sz="5250" dirty="0" err="1" smtClean="0"/>
+              <a:t>ben</a:t>
+            </a:r>
+            <a:r>
+              <a:rPr lang="en-US" sz="5250" dirty="0" smtClean="0"/>
+              <a:t> (1/3)</a:t>
+            </a:r>
+            <a:endParaRPr lang="hu-HU" sz="5250" dirty="0"/>
+          </a:p>
+        </p:txBody>
+      </p:sp>
+      <p:sp>
+        <p:nvSpPr>
+          <p:cNvPr id="3" name="Content Placeholder 2"/>
+          <p:cNvSpPr>
+            <a:spLocks noGrp="1"/>
+          </p:cNvSpPr>
+          <p:nvPr>
+            <p:ph idx="1"/>
+          </p:nvPr>
+        </p:nvSpPr>
+        <p:spPr>
+          <a:xfrm>
+            <a:off x="539552" y="1628800"/>
+            <a:ext cx="8229600" cy="4525963"/>
+          </a:xfrm>
+        </p:spPr>
+        <p:txBody>
+          <a:bodyPr>
+            <a:normAutofit/>
+          </a:bodyPr>
+          <a:lstStyle/>
+          <a:p>
+            <a:pPr marL="0" indent="0">
+              <a:lnSpc>
+                <a:spcPts val="2000"/>
+              </a:lnSpc>
+              <a:spcBef>
+                <a:spcPts val="0"/>
+              </a:spcBef>
+              <a:buNone/>
+            </a:pPr>
+            <a:r>
+              <a:rPr lang="hu-HU" sz="2400" dirty="0" smtClean="0">
+                <a:latin typeface="Nokia 1209" pitchFamily="2" charset="0"/>
+                <a:cs typeface="Nokia 1209" pitchFamily="2" charset="0"/>
+              </a:rPr>
+              <a:t>Lehetséges implementáció C#-be:</a:t>
+            </a:r>
+          </a:p>
+          <a:p>
+            <a:pPr marL="0" indent="0">
+              <a:lnSpc>
+                <a:spcPts val="2000"/>
+              </a:lnSpc>
+              <a:spcBef>
+                <a:spcPts val="0"/>
+              </a:spcBef>
+              <a:buNone/>
+            </a:pPr>
+            <a:endParaRPr lang="hu-HU" sz="2400" dirty="0" smtClean="0"/>
+          </a:p>
+          <a:p>
+            <a:pPr marL="0" indent="0">
+              <a:lnSpc>
+                <a:spcPts val="2000"/>
+              </a:lnSpc>
+              <a:spcBef>
+                <a:spcPts val="0"/>
+              </a:spcBef>
+              <a:buNone/>
+            </a:pPr>
+            <a:endParaRPr lang="hu-HU" sz="2400" dirty="0" smtClean="0"/>
+          </a:p>
+          <a:p>
+            <a:pPr marL="0" indent="0">
+              <a:lnSpc>
+                <a:spcPts val="2000"/>
+              </a:lnSpc>
+              <a:spcBef>
+                <a:spcPts val="0"/>
+              </a:spcBef>
+              <a:buNone/>
+            </a:pPr>
+            <a:endParaRPr lang="hu-HU" sz="2400" dirty="0" smtClean="0"/>
+          </a:p>
+          <a:p>
+            <a:pPr marL="0" indent="0">
+              <a:lnSpc>
+                <a:spcPts val="2000"/>
+              </a:lnSpc>
+              <a:spcBef>
+                <a:spcPts val="0"/>
+              </a:spcBef>
+              <a:buNone/>
+            </a:pPr>
+            <a:endParaRPr lang="hu-HU" sz="2400" dirty="0" smtClean="0"/>
+          </a:p>
+          <a:p>
+            <a:pPr marL="0" indent="0">
+              <a:lnSpc>
+                <a:spcPts val="2000"/>
+              </a:lnSpc>
+              <a:spcBef>
+                <a:spcPts val="0"/>
+              </a:spcBef>
+              <a:buNone/>
+            </a:pPr>
+            <a:endParaRPr lang="hu-HU" sz="2400" dirty="0" smtClean="0"/>
+          </a:p>
+          <a:p>
+            <a:pPr marL="0" indent="0">
+              <a:lnSpc>
+                <a:spcPts val="2000"/>
+              </a:lnSpc>
+              <a:spcBef>
+                <a:spcPts val="0"/>
+              </a:spcBef>
+              <a:buNone/>
+            </a:pPr>
+            <a:endParaRPr lang="hu-HU" sz="2400" dirty="0" smtClean="0"/>
+          </a:p>
+          <a:p>
+            <a:pPr marL="0" indent="0">
+              <a:lnSpc>
+                <a:spcPts val="2000"/>
+              </a:lnSpc>
+              <a:spcBef>
+                <a:spcPts val="0"/>
+              </a:spcBef>
+              <a:buNone/>
+            </a:pPr>
+            <a:endParaRPr lang="hu-HU" sz="2400" dirty="0" smtClean="0"/>
+          </a:p>
+          <a:p>
+            <a:pPr marL="0" indent="0">
+              <a:lnSpc>
+                <a:spcPts val="2000"/>
+              </a:lnSpc>
+              <a:spcBef>
+                <a:spcPts val="0"/>
+              </a:spcBef>
+              <a:buNone/>
+            </a:pPr>
+            <a:endParaRPr lang="hu-HU" sz="2400" dirty="0" smtClean="0"/>
+          </a:p>
+          <a:p>
+            <a:pPr marL="0" indent="0">
+              <a:lnSpc>
+                <a:spcPts val="2000"/>
+              </a:lnSpc>
+              <a:spcBef>
+                <a:spcPts val="0"/>
+              </a:spcBef>
+              <a:buNone/>
+            </a:pPr>
+            <a:r>
+              <a:rPr lang="hu-HU" sz="2400" dirty="0" smtClean="0">
+                <a:latin typeface="Nokia 1209" pitchFamily="2" charset="0"/>
+                <a:cs typeface="Nokia 1209" pitchFamily="2" charset="0"/>
+              </a:rPr>
+              <a:t>Először csinálunk egy TombKiir metódust, ami kiírja a </a:t>
+            </a:r>
+            <a:r>
+              <a:rPr lang="en-US" sz="2400" dirty="0" err="1" smtClean="0">
+                <a:latin typeface="Nokia 1209" pitchFamily="2" charset="0"/>
+                <a:cs typeface="Nokia 1209" pitchFamily="2" charset="0"/>
+              </a:rPr>
+              <a:t>számokat</a:t>
+            </a:r>
+            <a:r>
+              <a:rPr lang="en-US" sz="2400" dirty="0" smtClean="0">
+                <a:latin typeface="Nokia 1209" pitchFamily="2" charset="0"/>
+                <a:cs typeface="Nokia 1209" pitchFamily="2" charset="0"/>
+              </a:rPr>
+              <a:t>, </a:t>
+            </a:r>
+            <a:r>
+              <a:rPr lang="en-US" sz="2400" dirty="0" err="1" smtClean="0">
+                <a:latin typeface="Nokia 1209" pitchFamily="2" charset="0"/>
+                <a:cs typeface="Nokia 1209" pitchFamily="2" charset="0"/>
+              </a:rPr>
+              <a:t>ami</a:t>
+            </a:r>
+            <a:r>
+              <a:rPr lang="en-US" sz="2400" dirty="0" smtClean="0">
+                <a:latin typeface="Nokia 1209" pitchFamily="2" charset="0"/>
+                <a:cs typeface="Nokia 1209" pitchFamily="2" charset="0"/>
+              </a:rPr>
+              <a:t> a </a:t>
+            </a:r>
+            <a:r>
+              <a:rPr lang="en-US" sz="2400" dirty="0" err="1" smtClean="0">
+                <a:latin typeface="Nokia 1209" pitchFamily="2" charset="0"/>
+                <a:cs typeface="Nokia 1209" pitchFamily="2" charset="0"/>
+              </a:rPr>
+              <a:t>tömbben</a:t>
+            </a:r>
+            <a:r>
+              <a:rPr lang="en-US" sz="2400" dirty="0" smtClean="0">
+                <a:latin typeface="Nokia 1209" pitchFamily="2" charset="0"/>
+                <a:cs typeface="Nokia 1209" pitchFamily="2" charset="0"/>
+              </a:rPr>
+              <a:t> van</a:t>
+            </a:r>
+            <a:r>
+              <a:rPr lang="hu-HU" sz="2400" dirty="0" smtClean="0">
+                <a:latin typeface="Nokia 1209" pitchFamily="2" charset="0"/>
+                <a:cs typeface="Nokia 1209" pitchFamily="2" charset="0"/>
+              </a:rPr>
+              <a:t>. </a:t>
+            </a:r>
+            <a:r>
+              <a:rPr lang="hu-HU" sz="2400" dirty="0" smtClean="0">
+                <a:latin typeface="Nokia 1209" pitchFamily="2" charset="0"/>
+                <a:cs typeface="Nokia 1209" pitchFamily="2" charset="0"/>
+              </a:rPr>
+              <a:t>:/</a:t>
+            </a:r>
+          </a:p>
+        </p:txBody>
+      </p:sp>
       <p:pic>
         <p:nvPicPr>
           <p:cNvPr id="1030" name="Picture 6"/>
@@ -3961,8 +4222,8 @@
         </p:blipFill>
         <p:spPr bwMode="auto">
           <a:xfrm>
-            <a:off x="467544" y="2060848"/>
-            <a:ext cx="5000625" cy="1876425"/>
+            <a:off x="611560" y="1988840"/>
+            <a:ext cx="5001323" cy="1876687"/>
           </a:xfrm>
           <a:prstGeom prst="rect">
             <a:avLst/>
@@ -3977,201 +4238,6 @@
           <a:effectLst/>
         </p:spPr>
       </p:pic>
-      <p:sp>
-        <p:nvSpPr>
-          <p:cNvPr id="2" name="Title 1"/>
-          <p:cNvSpPr>
-            <a:spLocks noGrp="1"/>
-          </p:cNvSpPr>
-          <p:nvPr>
-            <p:ph type="title"/>
-          </p:nvPr>
-        </p:nvSpPr>
-        <p:spPr/>
-        <p:txBody>
-          <a:bodyPr>
-            <a:normAutofit/>
-          </a:bodyPr>
-          <a:lstStyle/>
-          <a:p>
-            <a:r>
-              <a:rPr lang="en-US" sz="5250" dirty="0" err="1" smtClean="0"/>
-              <a:t>Cserés</a:t>
-            </a:r>
-            <a:r>
-              <a:rPr lang="en-US" sz="5250" dirty="0" smtClean="0"/>
-              <a:t> </a:t>
-            </a:r>
-            <a:r>
-              <a:rPr lang="en-US" sz="5250" dirty="0" err="1" smtClean="0"/>
-              <a:t>rendezés</a:t>
-            </a:r>
-            <a:r>
-              <a:rPr lang="en-US" sz="5250" dirty="0" smtClean="0"/>
-              <a:t> C#-</a:t>
-            </a:r>
-            <a:r>
-              <a:rPr lang="en-US" sz="5250" dirty="0" err="1" smtClean="0"/>
-              <a:t>ben</a:t>
-            </a:r>
-            <a:r>
-              <a:rPr lang="en-US" sz="5250" dirty="0" smtClean="0"/>
-              <a:t> (1/3)</a:t>
-            </a:r>
-            <a:endParaRPr lang="hu-HU" sz="5250" dirty="0"/>
-          </a:p>
-        </p:txBody>
-      </p:sp>
-      <p:sp>
-        <p:nvSpPr>
-          <p:cNvPr id="3" name="Content Placeholder 2"/>
-          <p:cNvSpPr>
-            <a:spLocks noGrp="1"/>
-          </p:cNvSpPr>
-          <p:nvPr>
-            <p:ph idx="1"/>
-          </p:nvPr>
-        </p:nvSpPr>
-        <p:spPr/>
-        <p:txBody>
-          <a:bodyPr>
-            <a:normAutofit/>
-          </a:bodyPr>
-          <a:lstStyle/>
-          <a:p>
-            <a:pPr marL="0" indent="0">
-              <a:lnSpc>
-                <a:spcPts val="2000"/>
-              </a:lnSpc>
-              <a:spcBef>
-                <a:spcPts val="0"/>
-              </a:spcBef>
-              <a:buNone/>
-            </a:pPr>
-            <a:r>
-              <a:rPr lang="hu-HU" sz="2400" dirty="0" smtClean="0">
-                <a:latin typeface="Nokia 1209" pitchFamily="2" charset="0"/>
-                <a:cs typeface="Nokia 1209" pitchFamily="2" charset="0"/>
-              </a:rPr>
-              <a:t>Lehetséges implementáció C#-be:</a:t>
-            </a:r>
-          </a:p>
-          <a:p>
-            <a:pPr marL="0" indent="0">
-              <a:lnSpc>
-                <a:spcPts val="2000"/>
-              </a:lnSpc>
-              <a:spcBef>
-                <a:spcPts val="0"/>
-              </a:spcBef>
-              <a:buNone/>
-            </a:pPr>
-            <a:endParaRPr lang="hu-HU" sz="2400" dirty="0" smtClean="0"/>
-          </a:p>
-          <a:p>
-            <a:pPr marL="0" indent="0">
-              <a:lnSpc>
-                <a:spcPts val="2000"/>
-              </a:lnSpc>
-              <a:spcBef>
-                <a:spcPts val="0"/>
-              </a:spcBef>
-              <a:buNone/>
-            </a:pPr>
-            <a:endParaRPr lang="hu-HU" sz="2400" dirty="0" smtClean="0"/>
-          </a:p>
-          <a:p>
-            <a:pPr marL="0" indent="0">
-              <a:lnSpc>
-                <a:spcPts val="2000"/>
-              </a:lnSpc>
-              <a:spcBef>
-                <a:spcPts val="0"/>
-              </a:spcBef>
-              <a:buNone/>
-            </a:pPr>
-            <a:endParaRPr lang="hu-HU" sz="2400" dirty="0" smtClean="0"/>
-          </a:p>
-          <a:p>
-            <a:pPr marL="0" indent="0">
-              <a:lnSpc>
-                <a:spcPts val="2000"/>
-              </a:lnSpc>
-              <a:spcBef>
-                <a:spcPts val="0"/>
-              </a:spcBef>
-              <a:buNone/>
-            </a:pPr>
-            <a:endParaRPr lang="hu-HU" sz="2400" dirty="0" smtClean="0"/>
-          </a:p>
-          <a:p>
-            <a:pPr marL="0" indent="0">
-              <a:lnSpc>
-                <a:spcPts val="2000"/>
-              </a:lnSpc>
-              <a:spcBef>
-                <a:spcPts val="0"/>
-              </a:spcBef>
-              <a:buNone/>
-            </a:pPr>
-            <a:endParaRPr lang="hu-HU" sz="2400" dirty="0" smtClean="0"/>
-          </a:p>
-          <a:p>
-            <a:pPr marL="0" indent="0">
-              <a:lnSpc>
-                <a:spcPts val="2000"/>
-              </a:lnSpc>
-              <a:spcBef>
-                <a:spcPts val="0"/>
-              </a:spcBef>
-              <a:buNone/>
-            </a:pPr>
-            <a:endParaRPr lang="hu-HU" sz="2400" dirty="0" smtClean="0"/>
-          </a:p>
-          <a:p>
-            <a:pPr marL="0" indent="0">
-              <a:lnSpc>
-                <a:spcPts val="2000"/>
-              </a:lnSpc>
-              <a:spcBef>
-                <a:spcPts val="0"/>
-              </a:spcBef>
-              <a:buNone/>
-            </a:pPr>
-            <a:endParaRPr lang="hu-HU" sz="2400" dirty="0" smtClean="0"/>
-          </a:p>
-          <a:p>
-            <a:pPr marL="0" indent="0">
-              <a:lnSpc>
-                <a:spcPts val="2000"/>
-              </a:lnSpc>
-              <a:spcBef>
-                <a:spcPts val="0"/>
-              </a:spcBef>
-              <a:buNone/>
-            </a:pPr>
-            <a:endParaRPr lang="hu-HU" sz="2400" dirty="0" smtClean="0"/>
-          </a:p>
-          <a:p>
-            <a:pPr marL="0" indent="0">
-              <a:lnSpc>
-                <a:spcPts val="2000"/>
-              </a:lnSpc>
-              <a:spcBef>
-                <a:spcPts val="0"/>
-              </a:spcBef>
-              <a:buNone/>
-            </a:pPr>
-            <a:r>
-              <a:rPr lang="hu-HU" sz="2400" dirty="0" smtClean="0">
-                <a:latin typeface="Nokia 1209" pitchFamily="2" charset="0"/>
-                <a:cs typeface="Nokia 1209" pitchFamily="2" charset="0"/>
-              </a:rPr>
-              <a:t>Először csinálunk egy TombKiir metódust, ami kiírja a tömböket. :/</a:t>
-            </a:r>
-          </a:p>
-        </p:txBody>
-      </p:sp>
     </p:spTree>
   </p:cSld>
   <p:clrMapOvr>
